--- a/Imagens/Gráficos.pptx
+++ b/Imagens/Gráficos.pptx
@@ -266,7 +266,7 @@
           <a:p>
             <a:fld id="{1EDCE095-B9CF-4B0C-B1EB-2D7EE65C289B}" type="datetimeFigureOut">
               <a:rPr lang="pt-BR" smtClean="0"/>
-              <a:t>15/10/2019</a:t>
+              <a:t>21/11/2019</a:t>
             </a:fld>
             <a:endParaRPr lang="pt-BR"/>
           </a:p>
@@ -464,7 +464,7 @@
           <a:p>
             <a:fld id="{1EDCE095-B9CF-4B0C-B1EB-2D7EE65C289B}" type="datetimeFigureOut">
               <a:rPr lang="pt-BR" smtClean="0"/>
-              <a:t>15/10/2019</a:t>
+              <a:t>21/11/2019</a:t>
             </a:fld>
             <a:endParaRPr lang="pt-BR"/>
           </a:p>
@@ -672,7 +672,7 @@
           <a:p>
             <a:fld id="{1EDCE095-B9CF-4B0C-B1EB-2D7EE65C289B}" type="datetimeFigureOut">
               <a:rPr lang="pt-BR" smtClean="0"/>
-              <a:t>15/10/2019</a:t>
+              <a:t>21/11/2019</a:t>
             </a:fld>
             <a:endParaRPr lang="pt-BR"/>
           </a:p>
@@ -870,7 +870,7 @@
           <a:p>
             <a:fld id="{1EDCE095-B9CF-4B0C-B1EB-2D7EE65C289B}" type="datetimeFigureOut">
               <a:rPr lang="pt-BR" smtClean="0"/>
-              <a:t>15/10/2019</a:t>
+              <a:t>21/11/2019</a:t>
             </a:fld>
             <a:endParaRPr lang="pt-BR"/>
           </a:p>
@@ -1145,7 +1145,7 @@
           <a:p>
             <a:fld id="{1EDCE095-B9CF-4B0C-B1EB-2D7EE65C289B}" type="datetimeFigureOut">
               <a:rPr lang="pt-BR" smtClean="0"/>
-              <a:t>15/10/2019</a:t>
+              <a:t>21/11/2019</a:t>
             </a:fld>
             <a:endParaRPr lang="pt-BR"/>
           </a:p>
@@ -1410,7 +1410,7 @@
           <a:p>
             <a:fld id="{1EDCE095-B9CF-4B0C-B1EB-2D7EE65C289B}" type="datetimeFigureOut">
               <a:rPr lang="pt-BR" smtClean="0"/>
-              <a:t>15/10/2019</a:t>
+              <a:t>21/11/2019</a:t>
             </a:fld>
             <a:endParaRPr lang="pt-BR"/>
           </a:p>
@@ -1822,7 +1822,7 @@
           <a:p>
             <a:fld id="{1EDCE095-B9CF-4B0C-B1EB-2D7EE65C289B}" type="datetimeFigureOut">
               <a:rPr lang="pt-BR" smtClean="0"/>
-              <a:t>15/10/2019</a:t>
+              <a:t>21/11/2019</a:t>
             </a:fld>
             <a:endParaRPr lang="pt-BR"/>
           </a:p>
@@ -1963,7 +1963,7 @@
           <a:p>
             <a:fld id="{1EDCE095-B9CF-4B0C-B1EB-2D7EE65C289B}" type="datetimeFigureOut">
               <a:rPr lang="pt-BR" smtClean="0"/>
-              <a:t>15/10/2019</a:t>
+              <a:t>21/11/2019</a:t>
             </a:fld>
             <a:endParaRPr lang="pt-BR"/>
           </a:p>
@@ -2076,7 +2076,7 @@
           <a:p>
             <a:fld id="{1EDCE095-B9CF-4B0C-B1EB-2D7EE65C289B}" type="datetimeFigureOut">
               <a:rPr lang="pt-BR" smtClean="0"/>
-              <a:t>15/10/2019</a:t>
+              <a:t>21/11/2019</a:t>
             </a:fld>
             <a:endParaRPr lang="pt-BR"/>
           </a:p>
@@ -2387,7 +2387,7 @@
           <a:p>
             <a:fld id="{1EDCE095-B9CF-4B0C-B1EB-2D7EE65C289B}" type="datetimeFigureOut">
               <a:rPr lang="pt-BR" smtClean="0"/>
-              <a:t>15/10/2019</a:t>
+              <a:t>21/11/2019</a:t>
             </a:fld>
             <a:endParaRPr lang="pt-BR"/>
           </a:p>
@@ -2675,7 +2675,7 @@
           <a:p>
             <a:fld id="{1EDCE095-B9CF-4B0C-B1EB-2D7EE65C289B}" type="datetimeFigureOut">
               <a:rPr lang="pt-BR" smtClean="0"/>
-              <a:t>15/10/2019</a:t>
+              <a:t>21/11/2019</a:t>
             </a:fld>
             <a:endParaRPr lang="pt-BR"/>
           </a:p>
@@ -2916,7 +2916,7 @@
           <a:p>
             <a:fld id="{1EDCE095-B9CF-4B0C-B1EB-2D7EE65C289B}" type="datetimeFigureOut">
               <a:rPr lang="pt-BR" smtClean="0"/>
-              <a:t>15/10/2019</a:t>
+              <a:t>21/11/2019</a:t>
             </a:fld>
             <a:endParaRPr lang="pt-BR"/>
           </a:p>
@@ -13029,10 +13029,10 @@
       </p:grpSp>
       <p:grpSp>
         <p:nvGrpSpPr>
-          <p:cNvPr id="101" name="Agrupar 100">
+          <p:cNvPr id="3" name="Agrupar 2">
             <a:extLst>
               <a:ext uri="{FF2B5EF4-FFF2-40B4-BE49-F238E27FC236}">
-                <a16:creationId xmlns:a16="http://schemas.microsoft.com/office/drawing/2014/main" id="{49CE381E-E472-48DC-B9AC-814C7107F381}"/>
+                <a16:creationId xmlns:a16="http://schemas.microsoft.com/office/drawing/2014/main" id="{C9ABB7AC-1446-4D91-85BA-FBA8DC1BB568}"/>
               </a:ext>
             </a:extLst>
           </p:cNvPr>
@@ -13041,281 +13041,53 @@
         </p:nvGrpSpPr>
         <p:grpSpPr>
           <a:xfrm>
-            <a:off x="8553624" y="308475"/>
-            <a:ext cx="6164743" cy="3120525"/>
-            <a:chOff x="8331320" y="214608"/>
-            <a:chExt cx="6164743" cy="3120525"/>
+            <a:off x="5326381" y="278568"/>
+            <a:ext cx="6522718" cy="3120525"/>
+            <a:chOff x="5326381" y="278568"/>
+            <a:chExt cx="6522718" cy="3120525"/>
           </a:xfrm>
         </p:grpSpPr>
-        <p:pic>
-          <p:nvPicPr>
-            <p:cNvPr id="39" name="Imagem 38">
-              <a:extLst>
-                <a:ext uri="{FF2B5EF4-FFF2-40B4-BE49-F238E27FC236}">
-                  <a16:creationId xmlns:a16="http://schemas.microsoft.com/office/drawing/2014/main" id="{BF1CCAF3-95DF-47B6-BD9C-5519A49DA37F}"/>
-                </a:ext>
-              </a:extLst>
-            </p:cNvPr>
-            <p:cNvPicPr>
-              <a:picLocks noChangeAspect="1"/>
-            </p:cNvPicPr>
-            <p:nvPr/>
-          </p:nvPicPr>
-          <p:blipFill rotWithShape="1">
-            <a:blip r:embed="rId2"/>
-            <a:srcRect r="43961"/>
-            <a:stretch/>
-          </p:blipFill>
-          <p:spPr>
-            <a:xfrm>
-              <a:off x="9156315" y="1095557"/>
-              <a:ext cx="1503227" cy="1615580"/>
-            </a:xfrm>
-            <a:prstGeom prst="rect">
-              <a:avLst/>
-            </a:prstGeom>
-          </p:spPr>
-        </p:pic>
-        <p:cxnSp>
-          <p:nvCxnSpPr>
-            <p:cNvPr id="26" name="Conector de Seta Reta 25">
-              <a:extLst>
-                <a:ext uri="{FF2B5EF4-FFF2-40B4-BE49-F238E27FC236}">
-                  <a16:creationId xmlns:a16="http://schemas.microsoft.com/office/drawing/2014/main" id="{6641B11A-F6B6-4E76-93D8-A1E084D2A18D}"/>
-                </a:ext>
-              </a:extLst>
-            </p:cNvPr>
-            <p:cNvCxnSpPr>
-              <a:cxnSpLocks/>
-            </p:cNvCxnSpPr>
-            <p:nvPr/>
-          </p:nvCxnSpPr>
-          <p:spPr>
-            <a:xfrm>
-              <a:off x="8331320" y="1914547"/>
-              <a:ext cx="2573241" cy="0"/>
-            </a:xfrm>
-            <a:prstGeom prst="straightConnector1">
-              <a:avLst/>
-            </a:prstGeom>
-            <a:ln w="28575">
-              <a:tailEnd type="triangle"/>
-            </a:ln>
-          </p:spPr>
-          <p:style>
-            <a:lnRef idx="1">
-              <a:schemeClr val="dk1"/>
-            </a:lnRef>
-            <a:fillRef idx="0">
-              <a:schemeClr val="dk1"/>
-            </a:fillRef>
-            <a:effectRef idx="0">
-              <a:schemeClr val="dk1"/>
-            </a:effectRef>
-            <a:fontRef idx="minor">
-              <a:schemeClr val="tx1"/>
-            </a:fontRef>
-          </p:style>
-        </p:cxnSp>
-        <p:cxnSp>
-          <p:nvCxnSpPr>
-            <p:cNvPr id="27" name="Conector de Seta Reta 26">
-              <a:extLst>
-                <a:ext uri="{FF2B5EF4-FFF2-40B4-BE49-F238E27FC236}">
-                  <a16:creationId xmlns:a16="http://schemas.microsoft.com/office/drawing/2014/main" id="{A77A1026-0DA8-4131-A8CA-A54F1E6629ED}"/>
-                </a:ext>
-              </a:extLst>
-            </p:cNvPr>
-            <p:cNvCxnSpPr>
-              <a:cxnSpLocks/>
-            </p:cNvCxnSpPr>
-            <p:nvPr/>
-          </p:nvCxnSpPr>
-          <p:spPr>
-            <a:xfrm flipV="1">
-              <a:off x="9127835" y="214608"/>
-              <a:ext cx="1" cy="3120525"/>
-            </a:xfrm>
-            <a:prstGeom prst="straightConnector1">
-              <a:avLst/>
-            </a:prstGeom>
-            <a:ln w="28575">
-              <a:tailEnd type="triangle"/>
-            </a:ln>
-          </p:spPr>
-          <p:style>
-            <a:lnRef idx="1">
-              <a:schemeClr val="dk1"/>
-            </a:lnRef>
-            <a:fillRef idx="0">
-              <a:schemeClr val="dk1"/>
-            </a:fillRef>
-            <a:effectRef idx="0">
-              <a:schemeClr val="dk1"/>
-            </a:effectRef>
-            <a:fontRef idx="minor">
-              <a:schemeClr val="tx1"/>
-            </a:fontRef>
-          </p:style>
-        </p:cxnSp>
         <p:sp>
           <p:nvSpPr>
-            <p:cNvPr id="28" name="CaixaDeTexto 27">
-              <a:extLst>
-                <a:ext uri="{FF2B5EF4-FFF2-40B4-BE49-F238E27FC236}">
-                  <a16:creationId xmlns:a16="http://schemas.microsoft.com/office/drawing/2014/main" id="{1BFF447B-01FE-484F-83E4-866D3D024075}"/>
-                </a:ext>
-              </a:extLst>
-            </p:cNvPr>
-            <p:cNvSpPr txBox="1"/>
+            <p:cNvPr id="2" name="Retângulo 1">
+              <a:extLst>
+                <a:ext uri="{FF2B5EF4-FFF2-40B4-BE49-F238E27FC236}">
+                  <a16:creationId xmlns:a16="http://schemas.microsoft.com/office/drawing/2014/main" id="{0A6E7847-08C4-4AAD-8D30-AA8B8D5093EB}"/>
+                </a:ext>
+              </a:extLst>
+            </p:cNvPr>
+            <p:cNvSpPr/>
             <p:nvPr/>
           </p:nvSpPr>
           <p:spPr>
             <a:xfrm>
-              <a:off x="10756736" y="1563186"/>
-              <a:ext cx="253999" cy="246221"/>
+              <a:off x="9399603" y="342926"/>
+              <a:ext cx="1606728" cy="1643544"/>
             </a:xfrm>
             <a:prstGeom prst="rect">
               <a:avLst/>
             </a:prstGeom>
-            <a:noFill/>
-            <a:ln w="28575">
+            <a:solidFill>
+              <a:srgbClr val="FFE699"/>
+            </a:solidFill>
+            <a:ln>
               <a:noFill/>
             </a:ln>
           </p:spPr>
-          <p:txBody>
-            <a:bodyPr wrap="square" rtlCol="0">
-              <a:spAutoFit/>
-            </a:bodyPr>
-            <a:lstStyle/>
-            <a:p>
-              <a:r>
-                <a:rPr lang="pt-BR" sz="1000" b="1" dirty="0">
-                  <a:latin typeface="Arial" panose="020B0604020202020204" pitchFamily="34" charset="0"/>
-                  <a:cs typeface="Arial" panose="020B0604020202020204" pitchFamily="34" charset="0"/>
-                </a:rPr>
-                <a:t>x</a:t>
-              </a:r>
-            </a:p>
-          </p:txBody>
-        </p:sp>
-        <p:sp>
-          <p:nvSpPr>
-            <p:cNvPr id="29" name="CaixaDeTexto 28">
-              <a:extLst>
-                <a:ext uri="{FF2B5EF4-FFF2-40B4-BE49-F238E27FC236}">
-                  <a16:creationId xmlns:a16="http://schemas.microsoft.com/office/drawing/2014/main" id="{7D8AF37B-E770-422E-9C26-8274F73556C5}"/>
-                </a:ext>
-              </a:extLst>
-            </p:cNvPr>
-            <p:cNvSpPr txBox="1"/>
-            <p:nvPr/>
-          </p:nvSpPr>
-          <p:spPr>
-            <a:xfrm>
-              <a:off x="9162588" y="271004"/>
-              <a:ext cx="253999" cy="246221"/>
-            </a:xfrm>
-            <a:prstGeom prst="rect">
-              <a:avLst/>
-            </a:prstGeom>
-            <a:noFill/>
-          </p:spPr>
-          <p:txBody>
-            <a:bodyPr wrap="square" rtlCol="0">
-              <a:spAutoFit/>
-            </a:bodyPr>
-            <a:lstStyle/>
-            <a:p>
-              <a:r>
-                <a:rPr lang="pt-BR" sz="1000" b="1" dirty="0">
-                  <a:latin typeface="Arial" panose="020B0604020202020204" pitchFamily="34" charset="0"/>
-                  <a:cs typeface="Arial" panose="020B0604020202020204" pitchFamily="34" charset="0"/>
-                </a:rPr>
-                <a:t>y</a:t>
-              </a:r>
-            </a:p>
-          </p:txBody>
-        </p:sp>
-        <p:sp>
-          <p:nvSpPr>
-            <p:cNvPr id="30" name="CaixaDeTexto 29">
-              <a:extLst>
-                <a:ext uri="{FF2B5EF4-FFF2-40B4-BE49-F238E27FC236}">
-                  <a16:creationId xmlns:a16="http://schemas.microsoft.com/office/drawing/2014/main" id="{53CEE1B8-E6DB-4C7F-B8F8-BCB78384812A}"/>
-                </a:ext>
-              </a:extLst>
-            </p:cNvPr>
-            <p:cNvSpPr txBox="1"/>
-            <p:nvPr/>
-          </p:nvSpPr>
-          <p:spPr>
-            <a:xfrm>
-              <a:off x="9797339" y="867306"/>
-              <a:ext cx="1086396" cy="246221"/>
-            </a:xfrm>
-            <a:prstGeom prst="rect">
-              <a:avLst/>
-            </a:prstGeom>
-            <a:noFill/>
-          </p:spPr>
-          <p:txBody>
-            <a:bodyPr wrap="square" rtlCol="0">
-              <a:spAutoFit/>
-            </a:bodyPr>
-            <a:lstStyle/>
-            <a:p>
-              <a:r>
-                <a:rPr lang="pt-BR" sz="1000" b="1" i="1" dirty="0">
-                  <a:latin typeface="Times New Roman" panose="02020603050405020304" pitchFamily="18" charset="0"/>
-                  <a:cs typeface="Times New Roman" panose="02020603050405020304" pitchFamily="18" charset="0"/>
-                </a:rPr>
-                <a:t>Curva x = -y²</a:t>
-              </a:r>
-            </a:p>
-          </p:txBody>
-        </p:sp>
-        <p:sp>
-          <p:nvSpPr>
-            <p:cNvPr id="32" name="Arco 31">
-              <a:extLst>
-                <a:ext uri="{FF2B5EF4-FFF2-40B4-BE49-F238E27FC236}">
-                  <a16:creationId xmlns:a16="http://schemas.microsoft.com/office/drawing/2014/main" id="{7F95B3F1-89E4-4279-B214-D1BD0476BBF4}"/>
-                </a:ext>
-              </a:extLst>
-            </p:cNvPr>
-            <p:cNvSpPr/>
-            <p:nvPr/>
-          </p:nvSpPr>
-          <p:spPr>
-            <a:xfrm rot="5400000">
-              <a:off x="10925762" y="-768841"/>
-              <a:ext cx="1796225" cy="5344376"/>
-            </a:xfrm>
-            <a:prstGeom prst="arc">
-              <a:avLst>
-                <a:gd name="adj1" fmla="val 3401848"/>
-                <a:gd name="adj2" fmla="val 7471766"/>
-              </a:avLst>
-            </a:prstGeom>
-            <a:ln w="28575">
-              <a:solidFill>
-                <a:srgbClr val="FF0000"/>
-              </a:solidFill>
-            </a:ln>
-          </p:spPr>
           <p:style>
-            <a:lnRef idx="1">
-              <a:schemeClr val="accent1"/>
+            <a:lnRef idx="2">
+              <a:schemeClr val="accent1">
+                <a:shade val="50000"/>
+              </a:schemeClr>
             </a:lnRef>
-            <a:fillRef idx="0">
+            <a:fillRef idx="1">
               <a:schemeClr val="accent1"/>
             </a:fillRef>
             <a:effectRef idx="0">
               <a:schemeClr val="accent1"/>
             </a:effectRef>
             <a:fontRef idx="minor">
-              <a:schemeClr val="tx1"/>
+              <a:schemeClr val="lt1"/>
             </a:fontRef>
           </p:style>
           <p:txBody>
@@ -13323,52 +13095,353 @@
             <a:lstStyle/>
             <a:p>
               <a:pPr algn="ctr"/>
-              <a:endParaRPr lang="pt-BR" dirty="0"/>
+              <a:endParaRPr lang="pt-BR"/>
             </a:p>
           </p:txBody>
         </p:sp>
-        <p:sp>
-          <p:nvSpPr>
-            <p:cNvPr id="40" name="CaixaDeTexto 39">
-              <a:extLst>
-                <a:ext uri="{FF2B5EF4-FFF2-40B4-BE49-F238E27FC236}">
-                  <a16:creationId xmlns:a16="http://schemas.microsoft.com/office/drawing/2014/main" id="{869C0209-6A7B-4E74-A44C-ACFCDF4C66E7}"/>
-                </a:ext>
-              </a:extLst>
-            </p:cNvPr>
-            <p:cNvSpPr txBox="1"/>
-            <p:nvPr/>
-          </p:nvSpPr>
-          <p:spPr>
-            <a:xfrm>
-              <a:off x="9972107" y="1382307"/>
-              <a:ext cx="519458" cy="400110"/>
-            </a:xfrm>
-            <a:prstGeom prst="rect">
-              <a:avLst/>
-            </a:prstGeom>
-            <a:noFill/>
-          </p:spPr>
-          <p:txBody>
-            <a:bodyPr wrap="square" rtlCol="0">
-              <a:spAutoFit/>
-            </a:bodyPr>
-            <a:lstStyle/>
-            <a:p>
-              <a:r>
-                <a:rPr lang="pt-BR" sz="2000" b="1" i="1" dirty="0">
+        <p:grpSp>
+          <p:nvGrpSpPr>
+            <p:cNvPr id="101" name="Agrupar 100">
+              <a:extLst>
+                <a:ext uri="{FF2B5EF4-FFF2-40B4-BE49-F238E27FC236}">
+                  <a16:creationId xmlns:a16="http://schemas.microsoft.com/office/drawing/2014/main" id="{49CE381E-E472-48DC-B9AC-814C7107F381}"/>
+                </a:ext>
+              </a:extLst>
+            </p:cNvPr>
+            <p:cNvGrpSpPr/>
+            <p:nvPr/>
+          </p:nvGrpSpPr>
+          <p:grpSpPr>
+            <a:xfrm flipH="1">
+              <a:off x="5326381" y="278568"/>
+              <a:ext cx="6522718" cy="3120525"/>
+              <a:chOff x="8331320" y="214608"/>
+              <a:chExt cx="6164743" cy="3120525"/>
+            </a:xfrm>
+          </p:grpSpPr>
+          <p:pic>
+            <p:nvPicPr>
+              <p:cNvPr id="39" name="Imagem 38">
+                <a:extLst>
+                  <a:ext uri="{FF2B5EF4-FFF2-40B4-BE49-F238E27FC236}">
+                    <a16:creationId xmlns:a16="http://schemas.microsoft.com/office/drawing/2014/main" id="{BF1CCAF3-95DF-47B6-BD9C-5519A49DA37F}"/>
+                  </a:ext>
+                </a:extLst>
+              </p:cNvPr>
+              <p:cNvPicPr>
+                <a:picLocks noChangeAspect="1"/>
+              </p:cNvPicPr>
+              <p:nvPr/>
+            </p:nvPicPr>
+            <p:blipFill rotWithShape="1">
+              <a:blip r:embed="rId2"/>
+              <a:srcRect r="43961"/>
+              <a:stretch/>
+            </p:blipFill>
+            <p:spPr>
+              <a:xfrm>
+                <a:off x="9156315" y="1095557"/>
+                <a:ext cx="1503227" cy="1615580"/>
+              </a:xfrm>
+              <a:prstGeom prst="rect">
+                <a:avLst/>
+              </a:prstGeom>
+            </p:spPr>
+          </p:pic>
+          <p:cxnSp>
+            <p:nvCxnSpPr>
+              <p:cNvPr id="26" name="Conector de Seta Reta 25">
+                <a:extLst>
+                  <a:ext uri="{FF2B5EF4-FFF2-40B4-BE49-F238E27FC236}">
+                    <a16:creationId xmlns:a16="http://schemas.microsoft.com/office/drawing/2014/main" id="{6641B11A-F6B6-4E76-93D8-A1E084D2A18D}"/>
+                  </a:ext>
+                </a:extLst>
+              </p:cNvPr>
+              <p:cNvCxnSpPr>
+                <a:cxnSpLocks/>
+              </p:cNvCxnSpPr>
+              <p:nvPr/>
+            </p:nvCxnSpPr>
+            <p:spPr>
+              <a:xfrm>
+                <a:off x="8331320" y="1914547"/>
+                <a:ext cx="2573241" cy="0"/>
+              </a:xfrm>
+              <a:prstGeom prst="straightConnector1">
+                <a:avLst/>
+              </a:prstGeom>
+              <a:ln w="28575">
+                <a:tailEnd type="triangle"/>
+              </a:ln>
+            </p:spPr>
+            <p:style>
+              <a:lnRef idx="1">
+                <a:schemeClr val="dk1"/>
+              </a:lnRef>
+              <a:fillRef idx="0">
+                <a:schemeClr val="dk1"/>
+              </a:fillRef>
+              <a:effectRef idx="0">
+                <a:schemeClr val="dk1"/>
+              </a:effectRef>
+              <a:fontRef idx="minor">
+                <a:schemeClr val="tx1"/>
+              </a:fontRef>
+            </p:style>
+          </p:cxnSp>
+          <p:cxnSp>
+            <p:nvCxnSpPr>
+              <p:cNvPr id="27" name="Conector de Seta Reta 26">
+                <a:extLst>
+                  <a:ext uri="{FF2B5EF4-FFF2-40B4-BE49-F238E27FC236}">
+                    <a16:creationId xmlns:a16="http://schemas.microsoft.com/office/drawing/2014/main" id="{A77A1026-0DA8-4131-A8CA-A54F1E6629ED}"/>
+                  </a:ext>
+                </a:extLst>
+              </p:cNvPr>
+              <p:cNvCxnSpPr>
+                <a:cxnSpLocks/>
+              </p:cNvCxnSpPr>
+              <p:nvPr/>
+            </p:nvCxnSpPr>
+            <p:spPr>
+              <a:xfrm flipV="1">
+                <a:off x="9127835" y="214608"/>
+                <a:ext cx="1" cy="3120525"/>
+              </a:xfrm>
+              <a:prstGeom prst="straightConnector1">
+                <a:avLst/>
+              </a:prstGeom>
+              <a:ln w="28575">
+                <a:tailEnd type="triangle"/>
+              </a:ln>
+            </p:spPr>
+            <p:style>
+              <a:lnRef idx="1">
+                <a:schemeClr val="dk1"/>
+              </a:lnRef>
+              <a:fillRef idx="0">
+                <a:schemeClr val="dk1"/>
+              </a:fillRef>
+              <a:effectRef idx="0">
+                <a:schemeClr val="dk1"/>
+              </a:effectRef>
+              <a:fontRef idx="minor">
+                <a:schemeClr val="tx1"/>
+              </a:fontRef>
+            </p:style>
+          </p:cxnSp>
+          <p:sp>
+            <p:nvSpPr>
+              <p:cNvPr id="28" name="CaixaDeTexto 27">
+                <a:extLst>
+                  <a:ext uri="{FF2B5EF4-FFF2-40B4-BE49-F238E27FC236}">
+                    <a16:creationId xmlns:a16="http://schemas.microsoft.com/office/drawing/2014/main" id="{1BFF447B-01FE-484F-83E4-866D3D024075}"/>
+                  </a:ext>
+                </a:extLst>
+              </p:cNvPr>
+              <p:cNvSpPr txBox="1"/>
+              <p:nvPr/>
+            </p:nvSpPr>
+            <p:spPr>
+              <a:xfrm>
+                <a:off x="10756736" y="1563186"/>
+                <a:ext cx="253999" cy="246221"/>
+              </a:xfrm>
+              <a:prstGeom prst="rect">
+                <a:avLst/>
+              </a:prstGeom>
+              <a:noFill/>
+              <a:ln w="28575">
+                <a:noFill/>
+              </a:ln>
+            </p:spPr>
+            <p:txBody>
+              <a:bodyPr wrap="square" rtlCol="0">
+                <a:spAutoFit/>
+              </a:bodyPr>
+              <a:lstStyle/>
+              <a:p>
+                <a:r>
+                  <a:rPr lang="pt-BR" sz="1000" b="1" dirty="0">
+                    <a:latin typeface="Arial" panose="020B0604020202020204" pitchFamily="34" charset="0"/>
+                    <a:cs typeface="Arial" panose="020B0604020202020204" pitchFamily="34" charset="0"/>
+                  </a:rPr>
+                  <a:t>x</a:t>
+                </a:r>
+              </a:p>
+            </p:txBody>
+          </p:sp>
+          <p:sp>
+            <p:nvSpPr>
+              <p:cNvPr id="29" name="CaixaDeTexto 28">
+                <a:extLst>
+                  <a:ext uri="{FF2B5EF4-FFF2-40B4-BE49-F238E27FC236}">
+                    <a16:creationId xmlns:a16="http://schemas.microsoft.com/office/drawing/2014/main" id="{7D8AF37B-E770-422E-9C26-8274F73556C5}"/>
+                  </a:ext>
+                </a:extLst>
+              </p:cNvPr>
+              <p:cNvSpPr txBox="1"/>
+              <p:nvPr/>
+            </p:nvSpPr>
+            <p:spPr>
+              <a:xfrm>
+                <a:off x="9162588" y="271004"/>
+                <a:ext cx="253999" cy="246221"/>
+              </a:xfrm>
+              <a:prstGeom prst="rect">
+                <a:avLst/>
+              </a:prstGeom>
+              <a:noFill/>
+            </p:spPr>
+            <p:txBody>
+              <a:bodyPr wrap="square" rtlCol="0">
+                <a:spAutoFit/>
+              </a:bodyPr>
+              <a:lstStyle/>
+              <a:p>
+                <a:r>
+                  <a:rPr lang="pt-BR" sz="1000" b="1" dirty="0">
+                    <a:latin typeface="Arial" panose="020B0604020202020204" pitchFamily="34" charset="0"/>
+                    <a:cs typeface="Arial" panose="020B0604020202020204" pitchFamily="34" charset="0"/>
+                  </a:rPr>
+                  <a:t>y</a:t>
+                </a:r>
+              </a:p>
+            </p:txBody>
+          </p:sp>
+          <p:sp>
+            <p:nvSpPr>
+              <p:cNvPr id="30" name="CaixaDeTexto 29">
+                <a:extLst>
+                  <a:ext uri="{FF2B5EF4-FFF2-40B4-BE49-F238E27FC236}">
+                    <a16:creationId xmlns:a16="http://schemas.microsoft.com/office/drawing/2014/main" id="{53CEE1B8-E6DB-4C7F-B8F8-BCB78384812A}"/>
+                  </a:ext>
+                </a:extLst>
+              </p:cNvPr>
+              <p:cNvSpPr txBox="1"/>
+              <p:nvPr/>
+            </p:nvSpPr>
+            <p:spPr>
+              <a:xfrm>
+                <a:off x="9797339" y="867306"/>
+                <a:ext cx="1086396" cy="246221"/>
+              </a:xfrm>
+              <a:prstGeom prst="rect">
+                <a:avLst/>
+              </a:prstGeom>
+              <a:noFill/>
+            </p:spPr>
+            <p:txBody>
+              <a:bodyPr wrap="square" rtlCol="0">
+                <a:spAutoFit/>
+              </a:bodyPr>
+              <a:lstStyle/>
+              <a:p>
+                <a:r>
+                  <a:rPr lang="pt-BR" sz="1000" b="1" i="1" dirty="0">
+                    <a:latin typeface="Times New Roman" panose="02020603050405020304" pitchFamily="18" charset="0"/>
+                    <a:cs typeface="Times New Roman" panose="02020603050405020304" pitchFamily="18" charset="0"/>
+                  </a:rPr>
+                  <a:t>Curva x = -y²</a:t>
+                </a:r>
+              </a:p>
+            </p:txBody>
+          </p:sp>
+          <p:sp>
+            <p:nvSpPr>
+              <p:cNvPr id="32" name="Arco 31">
+                <a:extLst>
+                  <a:ext uri="{FF2B5EF4-FFF2-40B4-BE49-F238E27FC236}">
+                    <a16:creationId xmlns:a16="http://schemas.microsoft.com/office/drawing/2014/main" id="{7F95B3F1-89E4-4279-B214-D1BD0476BBF4}"/>
+                  </a:ext>
+                </a:extLst>
+              </p:cNvPr>
+              <p:cNvSpPr/>
+              <p:nvPr/>
+            </p:nvSpPr>
+            <p:spPr>
+              <a:xfrm rot="5400000">
+                <a:off x="10925762" y="-768841"/>
+                <a:ext cx="1796225" cy="5344376"/>
+              </a:xfrm>
+              <a:prstGeom prst="arc">
+                <a:avLst>
+                  <a:gd name="adj1" fmla="val 3401848"/>
+                  <a:gd name="adj2" fmla="val 7471766"/>
+                </a:avLst>
+              </a:prstGeom>
+              <a:ln w="28575">
+                <a:solidFill>
+                  <a:srgbClr val="FF0000"/>
+                </a:solidFill>
+              </a:ln>
+            </p:spPr>
+            <p:style>
+              <a:lnRef idx="1">
+                <a:schemeClr val="accent1"/>
+              </a:lnRef>
+              <a:fillRef idx="0">
+                <a:schemeClr val="accent1"/>
+              </a:fillRef>
+              <a:effectRef idx="0">
+                <a:schemeClr val="accent1"/>
+              </a:effectRef>
+              <a:fontRef idx="minor">
+                <a:schemeClr val="tx1"/>
+              </a:fontRef>
+            </p:style>
+            <p:txBody>
+              <a:bodyPr rtlCol="0" anchor="ctr"/>
+              <a:lstStyle/>
+              <a:p>
+                <a:pPr algn="ctr"/>
+                <a:endParaRPr lang="pt-BR" dirty="0"/>
+              </a:p>
+            </p:txBody>
+          </p:sp>
+          <p:sp>
+            <p:nvSpPr>
+              <p:cNvPr id="40" name="CaixaDeTexto 39">
+                <a:extLst>
+                  <a:ext uri="{FF2B5EF4-FFF2-40B4-BE49-F238E27FC236}">
+                    <a16:creationId xmlns:a16="http://schemas.microsoft.com/office/drawing/2014/main" id="{869C0209-6A7B-4E74-A44C-ACFCDF4C66E7}"/>
+                  </a:ext>
+                </a:extLst>
+              </p:cNvPr>
+              <p:cNvSpPr txBox="1"/>
+              <p:nvPr/>
+            </p:nvSpPr>
+            <p:spPr>
+              <a:xfrm>
+                <a:off x="9972107" y="1382307"/>
+                <a:ext cx="519458" cy="400110"/>
+              </a:xfrm>
+              <a:prstGeom prst="rect">
+                <a:avLst/>
+              </a:prstGeom>
+              <a:noFill/>
+            </p:spPr>
+            <p:txBody>
+              <a:bodyPr wrap="square" rtlCol="0">
+                <a:spAutoFit/>
+              </a:bodyPr>
+              <a:lstStyle/>
+              <a:p>
+                <a:r>
+                  <a:rPr lang="pt-BR" sz="2000" b="1" i="1" dirty="0">
+                    <a:latin typeface="Times New Roman" panose="02020603050405020304" pitchFamily="18" charset="0"/>
+                    <a:cs typeface="Times New Roman" panose="02020603050405020304" pitchFamily="18" charset="0"/>
+                  </a:rPr>
+                  <a:t>D</a:t>
+                </a:r>
+                <a:endParaRPr lang="pt-BR" sz="1000" b="1" i="1" dirty="0">
                   <a:latin typeface="Times New Roman" panose="02020603050405020304" pitchFamily="18" charset="0"/>
                   <a:cs typeface="Times New Roman" panose="02020603050405020304" pitchFamily="18" charset="0"/>
-                </a:rPr>
-                <a:t>D</a:t>
-              </a:r>
-              <a:endParaRPr lang="pt-BR" sz="1000" b="1" i="1" dirty="0">
-                <a:latin typeface="Times New Roman" panose="02020603050405020304" pitchFamily="18" charset="0"/>
-                <a:cs typeface="Times New Roman" panose="02020603050405020304" pitchFamily="18" charset="0"/>
-              </a:endParaRPr>
-            </a:p>
-          </p:txBody>
-        </p:sp>
+                </a:endParaRPr>
+              </a:p>
+            </p:txBody>
+          </p:sp>
+        </p:grpSp>
       </p:grpSp>
       <p:grpSp>
         <p:nvGrpSpPr>
@@ -14578,7 +14651,7 @@
         </p:nvGrpSpPr>
         <p:grpSpPr>
           <a:xfrm>
-            <a:off x="326133" y="3410507"/>
+            <a:off x="583083" y="3383612"/>
             <a:ext cx="3186848" cy="3125851"/>
             <a:chOff x="489755" y="3441067"/>
             <a:chExt cx="3186848" cy="3125851"/>
@@ -14761,8 +14834,8 @@
           </p:nvCxnSpPr>
           <p:spPr>
             <a:xfrm flipH="1" flipV="1">
-              <a:off x="660773" y="4405886"/>
-              <a:ext cx="1593873" cy="1981896"/>
+              <a:off x="735283" y="4844908"/>
+              <a:ext cx="2538000" cy="1270800"/>
             </a:xfrm>
             <a:prstGeom prst="line">
               <a:avLst/>
@@ -14804,8 +14877,8 @@
           </p:nvCxnSpPr>
           <p:spPr>
             <a:xfrm flipH="1" flipV="1">
-              <a:off x="996753" y="4130497"/>
-              <a:ext cx="1593873" cy="1981896"/>
+              <a:off x="826335" y="4639247"/>
+              <a:ext cx="2538000" cy="1270800"/>
             </a:xfrm>
             <a:prstGeom prst="line">
               <a:avLst/>
@@ -14847,8 +14920,8 @@
           </p:nvCxnSpPr>
           <p:spPr>
             <a:xfrm flipH="1" flipV="1">
-              <a:off x="1185328" y="3957842"/>
-              <a:ext cx="1593873" cy="1981896"/>
+              <a:off x="894097" y="4470634"/>
+              <a:ext cx="2538000" cy="1270800"/>
             </a:xfrm>
             <a:prstGeom prst="line">
               <a:avLst/>
@@ -14890,8 +14963,8 @@
           </p:nvCxnSpPr>
           <p:spPr>
             <a:xfrm flipH="1" flipV="1">
-              <a:off x="1672659" y="3528569"/>
-              <a:ext cx="1593873" cy="1981896"/>
+              <a:off x="1070403" y="4130497"/>
+              <a:ext cx="2538387" cy="1272163"/>
             </a:xfrm>
             <a:prstGeom prst="line">
               <a:avLst/>
@@ -21758,6 +21831,465 @@
           </a:prstGeom>
         </p:spPr>
       </p:pic>
+      <p:grpSp>
+        <p:nvGrpSpPr>
+          <p:cNvPr id="4" name="Agrupar 3">
+            <a:extLst>
+              <a:ext uri="{FF2B5EF4-FFF2-40B4-BE49-F238E27FC236}">
+                <a16:creationId xmlns:a16="http://schemas.microsoft.com/office/drawing/2014/main" id="{EDF5A1AC-B1CA-4653-BF82-C7EBB226EA5C}"/>
+              </a:ext>
+            </a:extLst>
+          </p:cNvPr>
+          <p:cNvGrpSpPr/>
+          <p:nvPr/>
+        </p:nvGrpSpPr>
+        <p:grpSpPr>
+          <a:xfrm>
+            <a:off x="2311365" y="3572203"/>
+            <a:ext cx="3363852" cy="2754268"/>
+            <a:chOff x="2311365" y="3572203"/>
+            <a:chExt cx="3363852" cy="2754268"/>
+          </a:xfrm>
+        </p:grpSpPr>
+        <p:sp>
+          <p:nvSpPr>
+            <p:cNvPr id="46" name="Retângulo 45">
+              <a:extLst>
+                <a:ext uri="{FF2B5EF4-FFF2-40B4-BE49-F238E27FC236}">
+                  <a16:creationId xmlns:a16="http://schemas.microsoft.com/office/drawing/2014/main" id="{535A6439-55EA-4D9B-AC9B-DF384F81EC69}"/>
+                </a:ext>
+              </a:extLst>
+            </p:cNvPr>
+            <p:cNvSpPr/>
+            <p:nvPr/>
+          </p:nvSpPr>
+          <p:spPr>
+            <a:xfrm>
+              <a:off x="3201806" y="4081174"/>
+              <a:ext cx="1511614" cy="1825835"/>
+            </a:xfrm>
+            <a:prstGeom prst="rect">
+              <a:avLst/>
+            </a:prstGeom>
+            <a:solidFill>
+              <a:srgbClr val="FFE699"/>
+            </a:solidFill>
+            <a:ln w="28575">
+              <a:noFill/>
+            </a:ln>
+          </p:spPr>
+          <p:style>
+            <a:lnRef idx="2">
+              <a:schemeClr val="accent1">
+                <a:shade val="50000"/>
+              </a:schemeClr>
+            </a:lnRef>
+            <a:fillRef idx="1">
+              <a:schemeClr val="accent1"/>
+            </a:fillRef>
+            <a:effectRef idx="0">
+              <a:schemeClr val="accent1"/>
+            </a:effectRef>
+            <a:fontRef idx="minor">
+              <a:schemeClr val="lt1"/>
+            </a:fontRef>
+          </p:style>
+          <p:txBody>
+            <a:bodyPr rtlCol="0" anchor="ctr"/>
+            <a:lstStyle/>
+            <a:p>
+              <a:pPr algn="ctr"/>
+              <a:endParaRPr lang="pt-BR"/>
+            </a:p>
+          </p:txBody>
+        </p:sp>
+        <p:grpSp>
+          <p:nvGrpSpPr>
+            <p:cNvPr id="32" name="Agrupar 31">
+              <a:extLst>
+                <a:ext uri="{FF2B5EF4-FFF2-40B4-BE49-F238E27FC236}">
+                  <a16:creationId xmlns:a16="http://schemas.microsoft.com/office/drawing/2014/main" id="{01619D6E-7657-4064-9C22-621C9D52E77A}"/>
+                </a:ext>
+              </a:extLst>
+            </p:cNvPr>
+            <p:cNvGrpSpPr/>
+            <p:nvPr/>
+          </p:nvGrpSpPr>
+          <p:grpSpPr>
+            <a:xfrm>
+              <a:off x="2311365" y="3572203"/>
+              <a:ext cx="3363852" cy="2754268"/>
+              <a:chOff x="258440" y="175954"/>
+              <a:chExt cx="3363852" cy="2754268"/>
+            </a:xfrm>
+          </p:grpSpPr>
+          <p:cxnSp>
+            <p:nvCxnSpPr>
+              <p:cNvPr id="35" name="Conector de Seta Reta 34">
+                <a:extLst>
+                  <a:ext uri="{FF2B5EF4-FFF2-40B4-BE49-F238E27FC236}">
+                    <a16:creationId xmlns:a16="http://schemas.microsoft.com/office/drawing/2014/main" id="{55049618-19AB-4D16-8829-C4DDAEF2CC9F}"/>
+                  </a:ext>
+                </a:extLst>
+              </p:cNvPr>
+              <p:cNvCxnSpPr>
+                <a:cxnSpLocks/>
+              </p:cNvCxnSpPr>
+              <p:nvPr/>
+            </p:nvCxnSpPr>
+            <p:spPr>
+              <a:xfrm>
+                <a:off x="258440" y="1852885"/>
+                <a:ext cx="3363852" cy="0"/>
+              </a:xfrm>
+              <a:prstGeom prst="straightConnector1">
+                <a:avLst/>
+              </a:prstGeom>
+              <a:ln w="28575">
+                <a:tailEnd type="triangle"/>
+              </a:ln>
+            </p:spPr>
+            <p:style>
+              <a:lnRef idx="1">
+                <a:schemeClr val="dk1"/>
+              </a:lnRef>
+              <a:fillRef idx="0">
+                <a:schemeClr val="dk1"/>
+              </a:fillRef>
+              <a:effectRef idx="0">
+                <a:schemeClr val="dk1"/>
+              </a:effectRef>
+              <a:fontRef idx="minor">
+                <a:schemeClr val="tx1"/>
+              </a:fontRef>
+            </p:style>
+          </p:cxnSp>
+          <p:cxnSp>
+            <p:nvCxnSpPr>
+              <p:cNvPr id="36" name="Conector de Seta Reta 35">
+                <a:extLst>
+                  <a:ext uri="{FF2B5EF4-FFF2-40B4-BE49-F238E27FC236}">
+                    <a16:creationId xmlns:a16="http://schemas.microsoft.com/office/drawing/2014/main" id="{A3538366-63BE-4F2A-BE89-2AB2D7806B3F}"/>
+                  </a:ext>
+                </a:extLst>
+              </p:cNvPr>
+              <p:cNvCxnSpPr>
+                <a:cxnSpLocks/>
+              </p:cNvCxnSpPr>
+              <p:nvPr/>
+            </p:nvCxnSpPr>
+            <p:spPr>
+              <a:xfrm flipV="1">
+                <a:off x="1862378" y="175954"/>
+                <a:ext cx="24976" cy="2754268"/>
+              </a:xfrm>
+              <a:prstGeom prst="straightConnector1">
+                <a:avLst/>
+              </a:prstGeom>
+              <a:ln w="28575">
+                <a:tailEnd type="triangle"/>
+              </a:ln>
+            </p:spPr>
+            <p:style>
+              <a:lnRef idx="1">
+                <a:schemeClr val="dk1"/>
+              </a:lnRef>
+              <a:fillRef idx="0">
+                <a:schemeClr val="dk1"/>
+              </a:fillRef>
+              <a:effectRef idx="0">
+                <a:schemeClr val="dk1"/>
+              </a:effectRef>
+              <a:fontRef idx="minor">
+                <a:schemeClr val="tx1"/>
+              </a:fontRef>
+            </p:style>
+          </p:cxnSp>
+          <p:sp>
+            <p:nvSpPr>
+              <p:cNvPr id="41" name="CaixaDeTexto 40">
+                <a:extLst>
+                  <a:ext uri="{FF2B5EF4-FFF2-40B4-BE49-F238E27FC236}">
+                    <a16:creationId xmlns:a16="http://schemas.microsoft.com/office/drawing/2014/main" id="{B8A03DF3-2196-47C7-A08A-6F2938049CEA}"/>
+                  </a:ext>
+                </a:extLst>
+              </p:cNvPr>
+              <p:cNvSpPr txBox="1"/>
+              <p:nvPr/>
+            </p:nvSpPr>
+            <p:spPr>
+              <a:xfrm>
+                <a:off x="3355262" y="1586109"/>
+                <a:ext cx="253999" cy="246221"/>
+              </a:xfrm>
+              <a:prstGeom prst="rect">
+                <a:avLst/>
+              </a:prstGeom>
+              <a:noFill/>
+              <a:ln w="28575">
+                <a:noFill/>
+              </a:ln>
+            </p:spPr>
+            <p:txBody>
+              <a:bodyPr wrap="square" rtlCol="0">
+                <a:spAutoFit/>
+              </a:bodyPr>
+              <a:lstStyle/>
+              <a:p>
+                <a:r>
+                  <a:rPr lang="pt-BR" sz="1000" b="1" dirty="0">
+                    <a:latin typeface="Arial" panose="020B0604020202020204" pitchFamily="34" charset="0"/>
+                    <a:cs typeface="Arial" panose="020B0604020202020204" pitchFamily="34" charset="0"/>
+                  </a:rPr>
+                  <a:t>x</a:t>
+                </a:r>
+              </a:p>
+            </p:txBody>
+          </p:sp>
+          <p:sp>
+            <p:nvSpPr>
+              <p:cNvPr id="42" name="CaixaDeTexto 41">
+                <a:extLst>
+                  <a:ext uri="{FF2B5EF4-FFF2-40B4-BE49-F238E27FC236}">
+                    <a16:creationId xmlns:a16="http://schemas.microsoft.com/office/drawing/2014/main" id="{B83E791C-29BA-4708-9B5A-7E631715D686}"/>
+                  </a:ext>
+                </a:extLst>
+              </p:cNvPr>
+              <p:cNvSpPr txBox="1"/>
+              <p:nvPr/>
+            </p:nvSpPr>
+            <p:spPr>
+              <a:xfrm>
+                <a:off x="1887353" y="217026"/>
+                <a:ext cx="253999" cy="246221"/>
+              </a:xfrm>
+              <a:prstGeom prst="rect">
+                <a:avLst/>
+              </a:prstGeom>
+              <a:noFill/>
+            </p:spPr>
+            <p:txBody>
+              <a:bodyPr wrap="square" rtlCol="0">
+                <a:spAutoFit/>
+              </a:bodyPr>
+              <a:lstStyle/>
+              <a:p>
+                <a:r>
+                  <a:rPr lang="pt-BR" sz="1000" b="1" dirty="0">
+                    <a:latin typeface="Arial" panose="020B0604020202020204" pitchFamily="34" charset="0"/>
+                    <a:cs typeface="Arial" panose="020B0604020202020204" pitchFamily="34" charset="0"/>
+                  </a:rPr>
+                  <a:t>y</a:t>
+                </a:r>
+              </a:p>
+            </p:txBody>
+          </p:sp>
+          <p:sp>
+            <p:nvSpPr>
+              <p:cNvPr id="44" name="CaixaDeTexto 43">
+                <a:extLst>
+                  <a:ext uri="{FF2B5EF4-FFF2-40B4-BE49-F238E27FC236}">
+                    <a16:creationId xmlns:a16="http://schemas.microsoft.com/office/drawing/2014/main" id="{E33AB2CC-536F-49F7-8CBF-26ADCEC6613B}"/>
+                  </a:ext>
+                </a:extLst>
+              </p:cNvPr>
+              <p:cNvSpPr txBox="1"/>
+              <p:nvPr/>
+            </p:nvSpPr>
+            <p:spPr>
+              <a:xfrm>
+                <a:off x="2644523" y="1811775"/>
+                <a:ext cx="203173" cy="246221"/>
+              </a:xfrm>
+              <a:prstGeom prst="rect">
+                <a:avLst/>
+              </a:prstGeom>
+              <a:noFill/>
+            </p:spPr>
+            <p:txBody>
+              <a:bodyPr wrap="square" rtlCol="0">
+                <a:spAutoFit/>
+              </a:bodyPr>
+              <a:lstStyle/>
+              <a:p>
+                <a:r>
+                  <a:rPr lang="pt-BR" sz="1000" b="1" i="1" dirty="0">
+                    <a:latin typeface="Times New Roman" panose="02020603050405020304" pitchFamily="18" charset="0"/>
+                    <a:cs typeface="Times New Roman" panose="02020603050405020304" pitchFamily="18" charset="0"/>
+                  </a:rPr>
+                  <a:t>3</a:t>
+                </a:r>
+              </a:p>
+            </p:txBody>
+          </p:sp>
+        </p:grpSp>
+        <p:sp>
+          <p:nvSpPr>
+            <p:cNvPr id="2" name="Retângulo 1">
+              <a:extLst>
+                <a:ext uri="{FF2B5EF4-FFF2-40B4-BE49-F238E27FC236}">
+                  <a16:creationId xmlns:a16="http://schemas.microsoft.com/office/drawing/2014/main" id="{7315AACC-FF95-426A-8F02-7EAC7578C325}"/>
+                </a:ext>
+              </a:extLst>
+            </p:cNvPr>
+            <p:cNvSpPr/>
+            <p:nvPr/>
+          </p:nvSpPr>
+          <p:spPr>
+            <a:xfrm>
+              <a:off x="3189809" y="4079036"/>
+              <a:ext cx="1511614" cy="1825835"/>
+            </a:xfrm>
+            <a:prstGeom prst="rect">
+              <a:avLst/>
+            </a:prstGeom>
+            <a:noFill/>
+            <a:ln w="28575">
+              <a:solidFill>
+                <a:srgbClr val="FF0000"/>
+              </a:solidFill>
+            </a:ln>
+          </p:spPr>
+          <p:style>
+            <a:lnRef idx="2">
+              <a:schemeClr val="accent1">
+                <a:shade val="50000"/>
+              </a:schemeClr>
+            </a:lnRef>
+            <a:fillRef idx="1">
+              <a:schemeClr val="accent1"/>
+            </a:fillRef>
+            <a:effectRef idx="0">
+              <a:schemeClr val="accent1"/>
+            </a:effectRef>
+            <a:fontRef idx="minor">
+              <a:schemeClr val="lt1"/>
+            </a:fontRef>
+          </p:style>
+          <p:txBody>
+            <a:bodyPr rtlCol="0" anchor="ctr"/>
+            <a:lstStyle/>
+            <a:p>
+              <a:pPr algn="ctr"/>
+              <a:endParaRPr lang="pt-BR"/>
+            </a:p>
+          </p:txBody>
+        </p:sp>
+        <p:sp>
+          <p:nvSpPr>
+            <p:cNvPr id="47" name="CaixaDeTexto 46">
+              <a:extLst>
+                <a:ext uri="{FF2B5EF4-FFF2-40B4-BE49-F238E27FC236}">
+                  <a16:creationId xmlns:a16="http://schemas.microsoft.com/office/drawing/2014/main" id="{DFB32ED1-683A-44EE-BF0F-28498B8D1F24}"/>
+                </a:ext>
+              </a:extLst>
+            </p:cNvPr>
+            <p:cNvSpPr txBox="1"/>
+            <p:nvPr/>
+          </p:nvSpPr>
+          <p:spPr>
+            <a:xfrm>
+              <a:off x="2951219" y="5208024"/>
+              <a:ext cx="303431" cy="246221"/>
+            </a:xfrm>
+            <a:prstGeom prst="rect">
+              <a:avLst/>
+            </a:prstGeom>
+            <a:noFill/>
+          </p:spPr>
+          <p:txBody>
+            <a:bodyPr wrap="square" rtlCol="0">
+              <a:spAutoFit/>
+            </a:bodyPr>
+            <a:lstStyle/>
+            <a:p>
+              <a:r>
+                <a:rPr lang="pt-BR" sz="1000" b="1" i="1" dirty="0">
+                  <a:latin typeface="Times New Roman" panose="02020603050405020304" pitchFamily="18" charset="0"/>
+                  <a:cs typeface="Times New Roman" panose="02020603050405020304" pitchFamily="18" charset="0"/>
+                </a:rPr>
+                <a:t>-3</a:t>
+              </a:r>
+            </a:p>
+          </p:txBody>
+        </p:sp>
+        <p:sp>
+          <p:nvSpPr>
+            <p:cNvPr id="48" name="CaixaDeTexto 47">
+              <a:extLst>
+                <a:ext uri="{FF2B5EF4-FFF2-40B4-BE49-F238E27FC236}">
+                  <a16:creationId xmlns:a16="http://schemas.microsoft.com/office/drawing/2014/main" id="{F7772129-E795-49C4-99B3-4E4C66F5F41B}"/>
+                </a:ext>
+              </a:extLst>
+            </p:cNvPr>
+            <p:cNvSpPr txBox="1"/>
+            <p:nvPr/>
+          </p:nvSpPr>
+          <p:spPr>
+            <a:xfrm>
+              <a:off x="3890846" y="5879726"/>
+              <a:ext cx="303431" cy="246221"/>
+            </a:xfrm>
+            <a:prstGeom prst="rect">
+              <a:avLst/>
+            </a:prstGeom>
+            <a:noFill/>
+          </p:spPr>
+          <p:txBody>
+            <a:bodyPr wrap="square" rtlCol="0">
+              <a:spAutoFit/>
+            </a:bodyPr>
+            <a:lstStyle/>
+            <a:p>
+              <a:r>
+                <a:rPr lang="pt-BR" sz="1000" b="1" i="1" dirty="0">
+                  <a:latin typeface="Times New Roman" panose="02020603050405020304" pitchFamily="18" charset="0"/>
+                  <a:cs typeface="Times New Roman" panose="02020603050405020304" pitchFamily="18" charset="0"/>
+                </a:rPr>
+                <a:t>-3</a:t>
+              </a:r>
+            </a:p>
+          </p:txBody>
+        </p:sp>
+        <p:sp>
+          <p:nvSpPr>
+            <p:cNvPr id="49" name="CaixaDeTexto 48">
+              <a:extLst>
+                <a:ext uri="{FF2B5EF4-FFF2-40B4-BE49-F238E27FC236}">
+                  <a16:creationId xmlns:a16="http://schemas.microsoft.com/office/drawing/2014/main" id="{1C1A4A23-767C-47C9-8948-93E9C9B9AFF5}"/>
+                </a:ext>
+              </a:extLst>
+            </p:cNvPr>
+            <p:cNvSpPr txBox="1"/>
+            <p:nvPr/>
+          </p:nvSpPr>
+          <p:spPr>
+            <a:xfrm>
+              <a:off x="3890846" y="3873149"/>
+              <a:ext cx="231400" cy="246221"/>
+            </a:xfrm>
+            <a:prstGeom prst="rect">
+              <a:avLst/>
+            </a:prstGeom>
+            <a:noFill/>
+          </p:spPr>
+          <p:txBody>
+            <a:bodyPr wrap="square" rtlCol="0">
+              <a:spAutoFit/>
+            </a:bodyPr>
+            <a:lstStyle/>
+            <a:p>
+              <a:r>
+                <a:rPr lang="pt-BR" sz="1000" b="1" i="1" dirty="0">
+                  <a:latin typeface="Times New Roman" panose="02020603050405020304" pitchFamily="18" charset="0"/>
+                  <a:cs typeface="Times New Roman" panose="02020603050405020304" pitchFamily="18" charset="0"/>
+                </a:rPr>
+                <a:t>5</a:t>
+              </a:r>
+            </a:p>
+          </p:txBody>
+        </p:sp>
+      </p:grpSp>
     </p:spTree>
     <p:extLst>
       <p:ext uri="{BB962C8B-B14F-4D97-AF65-F5344CB8AC3E}">
